--- a/document/ClassDiagram(ppt).pptx
+++ b/document/ClassDiagram(ppt).pptx
@@ -259,7 +259,7 @@
           <a:p>
             <a:fld id="{095C735D-8C59-454B-B514-94A06DFB4A6D}" type="datetimeFigureOut">
               <a:rPr lang="ko-KR" altLang="en-US" smtClean="0"/>
-              <a:t>2021-03-01</a:t>
+              <a:t>2021-03-02</a:t>
             </a:fld>
             <a:endParaRPr lang="ko-KR" altLang="en-US"/>
           </a:p>
@@ -457,7 +457,7 @@
           <a:p>
             <a:fld id="{095C735D-8C59-454B-B514-94A06DFB4A6D}" type="datetimeFigureOut">
               <a:rPr lang="ko-KR" altLang="en-US" smtClean="0"/>
-              <a:t>2021-03-01</a:t>
+              <a:t>2021-03-02</a:t>
             </a:fld>
             <a:endParaRPr lang="ko-KR" altLang="en-US"/>
           </a:p>
@@ -665,7 +665,7 @@
           <a:p>
             <a:fld id="{095C735D-8C59-454B-B514-94A06DFB4A6D}" type="datetimeFigureOut">
               <a:rPr lang="ko-KR" altLang="en-US" smtClean="0"/>
-              <a:t>2021-03-01</a:t>
+              <a:t>2021-03-02</a:t>
             </a:fld>
             <a:endParaRPr lang="ko-KR" altLang="en-US"/>
           </a:p>
@@ -863,7 +863,7 @@
           <a:p>
             <a:fld id="{095C735D-8C59-454B-B514-94A06DFB4A6D}" type="datetimeFigureOut">
               <a:rPr lang="ko-KR" altLang="en-US" smtClean="0"/>
-              <a:t>2021-03-01</a:t>
+              <a:t>2021-03-02</a:t>
             </a:fld>
             <a:endParaRPr lang="ko-KR" altLang="en-US"/>
           </a:p>
@@ -1138,7 +1138,7 @@
           <a:p>
             <a:fld id="{095C735D-8C59-454B-B514-94A06DFB4A6D}" type="datetimeFigureOut">
               <a:rPr lang="ko-KR" altLang="en-US" smtClean="0"/>
-              <a:t>2021-03-01</a:t>
+              <a:t>2021-03-02</a:t>
             </a:fld>
             <a:endParaRPr lang="ko-KR" altLang="en-US"/>
           </a:p>
@@ -1403,7 +1403,7 @@
           <a:p>
             <a:fld id="{095C735D-8C59-454B-B514-94A06DFB4A6D}" type="datetimeFigureOut">
               <a:rPr lang="ko-KR" altLang="en-US" smtClean="0"/>
-              <a:t>2021-03-01</a:t>
+              <a:t>2021-03-02</a:t>
             </a:fld>
             <a:endParaRPr lang="ko-KR" altLang="en-US"/>
           </a:p>
@@ -1815,7 +1815,7 @@
           <a:p>
             <a:fld id="{095C735D-8C59-454B-B514-94A06DFB4A6D}" type="datetimeFigureOut">
               <a:rPr lang="ko-KR" altLang="en-US" smtClean="0"/>
-              <a:t>2021-03-01</a:t>
+              <a:t>2021-03-02</a:t>
             </a:fld>
             <a:endParaRPr lang="ko-KR" altLang="en-US"/>
           </a:p>
@@ -1956,7 +1956,7 @@
           <a:p>
             <a:fld id="{095C735D-8C59-454B-B514-94A06DFB4A6D}" type="datetimeFigureOut">
               <a:rPr lang="ko-KR" altLang="en-US" smtClean="0"/>
-              <a:t>2021-03-01</a:t>
+              <a:t>2021-03-02</a:t>
             </a:fld>
             <a:endParaRPr lang="ko-KR" altLang="en-US"/>
           </a:p>
@@ -2069,7 +2069,7 @@
           <a:p>
             <a:fld id="{095C735D-8C59-454B-B514-94A06DFB4A6D}" type="datetimeFigureOut">
               <a:rPr lang="ko-KR" altLang="en-US" smtClean="0"/>
-              <a:t>2021-03-01</a:t>
+              <a:t>2021-03-02</a:t>
             </a:fld>
             <a:endParaRPr lang="ko-KR" altLang="en-US"/>
           </a:p>
@@ -2380,7 +2380,7 @@
           <a:p>
             <a:fld id="{095C735D-8C59-454B-B514-94A06DFB4A6D}" type="datetimeFigureOut">
               <a:rPr lang="ko-KR" altLang="en-US" smtClean="0"/>
-              <a:t>2021-03-01</a:t>
+              <a:t>2021-03-02</a:t>
             </a:fld>
             <a:endParaRPr lang="ko-KR" altLang="en-US"/>
           </a:p>
@@ -2668,7 +2668,7 @@
           <a:p>
             <a:fld id="{095C735D-8C59-454B-B514-94A06DFB4A6D}" type="datetimeFigureOut">
               <a:rPr lang="ko-KR" altLang="en-US" smtClean="0"/>
-              <a:t>2021-03-01</a:t>
+              <a:t>2021-03-02</a:t>
             </a:fld>
             <a:endParaRPr lang="ko-KR" altLang="en-US"/>
           </a:p>
@@ -2909,7 +2909,7 @@
           <a:p>
             <a:fld id="{095C735D-8C59-454B-B514-94A06DFB4A6D}" type="datetimeFigureOut">
               <a:rPr lang="ko-KR" altLang="en-US" smtClean="0"/>
-              <a:t>2021-03-01</a:t>
+              <a:t>2021-03-02</a:t>
             </a:fld>
             <a:endParaRPr lang="ko-KR" altLang="en-US"/>
           </a:p>
